--- a/Final/doc&model/PPT.pptx
+++ b/Final/doc&model/PPT.pptx
@@ -17666,7 +17666,7 @@
         </p:nvSpPr>
         <p:spPr>
           <a:xfrm>
-            <a:off x="6327459" y="1121846"/>
+            <a:off x="6327459" y="1311674"/>
             <a:ext cx="1955985" cy="379656"/>
           </a:xfrm>
           <a:prstGeom prst="rect">
@@ -17727,63 +17727,6 @@
               <a:uFillTx/>
               <a:ea typeface="微软雅黑" charset="0"/>
             </a:endParaRPr>
-          </a:p>
-        </p:txBody>
-      </p:sp>
-      <p:sp>
-        <p:nvSpPr>
-          <p:cNvPr id="4" name="文本框 3"/>
-          <p:cNvSpPr txBox="1"/>
-          <p:nvPr/>
-        </p:nvSpPr>
-        <p:spPr>
-          <a:xfrm>
-            <a:off x="6327459" y="1512142"/>
-            <a:ext cx="3872455" cy="332399"/>
-          </a:xfrm>
-          <a:prstGeom prst="rect">
-            <a:avLst/>
-          </a:prstGeom>
-          <a:noFill/>
-        </p:spPr>
-        <p:txBody>
-          <a:bodyPr wrap="square" rtlCol="0">
-            <a:spAutoFit/>
-          </a:bodyPr>
-          <a:lstStyle/>
-          <a:p>
-            <a:pPr marL="0" marR="0" lvl="0" indent="0" defTabSz="609585" eaLnBrk="1" fontAlgn="auto" latinLnBrk="0" hangingPunct="1">
-              <a:lnSpc>
-                <a:spcPct val="130000"/>
-              </a:lnSpc>
-              <a:spcBef>
-                <a:spcPts val="0"/>
-              </a:spcBef>
-              <a:spcAft>
-                <a:spcPts val="0"/>
-              </a:spcAft>
-              <a:buClrTx/>
-              <a:buSzTx/>
-              <a:buFontTx/>
-              <a:buNone/>
-              <a:tabLst/>
-              <a:defRPr/>
-            </a:pPr>
-            <a:r>
-              <a:rPr kumimoji="0" lang="zh-CN" altLang="en-US" sz="1200" b="0" i="0" u="none" strike="noStrike" kern="0" cap="none" spc="0" normalizeH="0" baseline="0" noProof="0" dirty="0">
-                <a:ln>
-                  <a:noFill/>
-                </a:ln>
-                <a:solidFill>
-                  <a:srgbClr val="FFFFFF"/>
-                </a:solidFill>
-                <a:effectLst/>
-                <a:uLnTx/>
-                <a:uFillTx/>
-                <a:ea typeface="微软雅黑" charset="0"/>
-              </a:rPr>
-              <a:t>点击此处添加文本内容，如关键词、部分简单介绍等。</a:t>
-            </a:r>
           </a:p>
         </p:txBody>
       </p:sp>
@@ -17875,7 +17818,7 @@
         </p:nvSpPr>
         <p:spPr>
           <a:xfrm>
-            <a:off x="6327459" y="2007047"/>
+            <a:off x="6327459" y="2196875"/>
             <a:ext cx="1561646" cy="379656"/>
           </a:xfrm>
           <a:prstGeom prst="rect">
@@ -17936,63 +17879,6 @@
               <a:uFillTx/>
               <a:ea typeface="微软雅黑" charset="0"/>
             </a:endParaRPr>
-          </a:p>
-        </p:txBody>
-      </p:sp>
-      <p:sp>
-        <p:nvSpPr>
-          <p:cNvPr id="7" name="文本框 6"/>
-          <p:cNvSpPr txBox="1"/>
-          <p:nvPr/>
-        </p:nvSpPr>
-        <p:spPr>
-          <a:xfrm>
-            <a:off x="6327459" y="2397343"/>
-            <a:ext cx="3872455" cy="332399"/>
-          </a:xfrm>
-          <a:prstGeom prst="rect">
-            <a:avLst/>
-          </a:prstGeom>
-          <a:noFill/>
-        </p:spPr>
-        <p:txBody>
-          <a:bodyPr wrap="square" rtlCol="0">
-            <a:spAutoFit/>
-          </a:bodyPr>
-          <a:lstStyle/>
-          <a:p>
-            <a:pPr marL="0" marR="0" lvl="0" indent="0" defTabSz="609585" eaLnBrk="1" fontAlgn="auto" latinLnBrk="0" hangingPunct="1">
-              <a:lnSpc>
-                <a:spcPct val="130000"/>
-              </a:lnSpc>
-              <a:spcBef>
-                <a:spcPts val="0"/>
-              </a:spcBef>
-              <a:spcAft>
-                <a:spcPts val="0"/>
-              </a:spcAft>
-              <a:buClrTx/>
-              <a:buSzTx/>
-              <a:buFontTx/>
-              <a:buNone/>
-              <a:tabLst/>
-              <a:defRPr/>
-            </a:pPr>
-            <a:r>
-              <a:rPr kumimoji="0" lang="zh-CN" altLang="en-US" sz="1200" b="0" i="0" u="none" strike="noStrike" kern="0" cap="none" spc="0" normalizeH="0" baseline="0" noProof="0" dirty="0">
-                <a:ln>
-                  <a:noFill/>
-                </a:ln>
-                <a:solidFill>
-                  <a:srgbClr val="FFFFFF"/>
-                </a:solidFill>
-                <a:effectLst/>
-                <a:uLnTx/>
-                <a:uFillTx/>
-                <a:ea typeface="微软雅黑" charset="0"/>
-              </a:rPr>
-              <a:t>点击此处添加文本内容，如关键词、部分简单介绍等。</a:t>
-            </a:r>
           </a:p>
         </p:txBody>
       </p:sp>
@@ -18084,7 +17970,7 @@
         </p:nvSpPr>
         <p:spPr>
           <a:xfrm>
-            <a:off x="6327459" y="2920241"/>
+            <a:off x="6327459" y="3110069"/>
             <a:ext cx="3092513" cy="379656"/>
           </a:xfrm>
           <a:prstGeom prst="rect">
@@ -18145,63 +18031,6 @@
               <a:uFillTx/>
               <a:ea typeface="微软雅黑" charset="0"/>
             </a:endParaRPr>
-          </a:p>
-        </p:txBody>
-      </p:sp>
-      <p:sp>
-        <p:nvSpPr>
-          <p:cNvPr id="10" name="文本框 9"/>
-          <p:cNvSpPr txBox="1"/>
-          <p:nvPr/>
-        </p:nvSpPr>
-        <p:spPr>
-          <a:xfrm>
-            <a:off x="6327459" y="3310537"/>
-            <a:ext cx="3872455" cy="332399"/>
-          </a:xfrm>
-          <a:prstGeom prst="rect">
-            <a:avLst/>
-          </a:prstGeom>
-          <a:noFill/>
-        </p:spPr>
-        <p:txBody>
-          <a:bodyPr wrap="square" rtlCol="0">
-            <a:spAutoFit/>
-          </a:bodyPr>
-          <a:lstStyle/>
-          <a:p>
-            <a:pPr marL="0" marR="0" lvl="0" indent="0" defTabSz="609585" eaLnBrk="1" fontAlgn="auto" latinLnBrk="0" hangingPunct="1">
-              <a:lnSpc>
-                <a:spcPct val="130000"/>
-              </a:lnSpc>
-              <a:spcBef>
-                <a:spcPts val="0"/>
-              </a:spcBef>
-              <a:spcAft>
-                <a:spcPts val="0"/>
-              </a:spcAft>
-              <a:buClrTx/>
-              <a:buSzTx/>
-              <a:buFontTx/>
-              <a:buNone/>
-              <a:tabLst/>
-              <a:defRPr/>
-            </a:pPr>
-            <a:r>
-              <a:rPr kumimoji="0" lang="zh-CN" altLang="en-US" sz="1200" b="0" i="0" u="none" strike="noStrike" kern="0" cap="none" spc="0" normalizeH="0" baseline="0" noProof="0" dirty="0">
-                <a:ln>
-                  <a:noFill/>
-                </a:ln>
-                <a:solidFill>
-                  <a:srgbClr val="FFFFFF"/>
-                </a:solidFill>
-                <a:effectLst/>
-                <a:uLnTx/>
-                <a:uFillTx/>
-                <a:ea typeface="微软雅黑" charset="0"/>
-              </a:rPr>
-              <a:t>点击此处添加文本内容，如关键词、部分简单介绍等。</a:t>
-            </a:r>
           </a:p>
         </p:txBody>
       </p:sp>
@@ -18293,7 +18122,7 @@
         </p:nvSpPr>
         <p:spPr>
           <a:xfrm>
-            <a:off x="6327459" y="3805442"/>
+            <a:off x="6327459" y="3995270"/>
             <a:ext cx="1754006" cy="379656"/>
           </a:xfrm>
           <a:prstGeom prst="rect">
@@ -18354,63 +18183,6 @@
               <a:uFillTx/>
               <a:ea typeface="微软雅黑" charset="0"/>
             </a:endParaRPr>
-          </a:p>
-        </p:txBody>
-      </p:sp>
-      <p:sp>
-        <p:nvSpPr>
-          <p:cNvPr id="13" name="文本框 12"/>
-          <p:cNvSpPr txBox="1"/>
-          <p:nvPr/>
-        </p:nvSpPr>
-        <p:spPr>
-          <a:xfrm>
-            <a:off x="6327459" y="4195738"/>
-            <a:ext cx="3872455" cy="332399"/>
-          </a:xfrm>
-          <a:prstGeom prst="rect">
-            <a:avLst/>
-          </a:prstGeom>
-          <a:noFill/>
-        </p:spPr>
-        <p:txBody>
-          <a:bodyPr wrap="square" rtlCol="0">
-            <a:spAutoFit/>
-          </a:bodyPr>
-          <a:lstStyle/>
-          <a:p>
-            <a:pPr marL="0" marR="0" lvl="0" indent="0" defTabSz="609585" eaLnBrk="1" fontAlgn="auto" latinLnBrk="0" hangingPunct="1">
-              <a:lnSpc>
-                <a:spcPct val="130000"/>
-              </a:lnSpc>
-              <a:spcBef>
-                <a:spcPts val="0"/>
-              </a:spcBef>
-              <a:spcAft>
-                <a:spcPts val="0"/>
-              </a:spcAft>
-              <a:buClrTx/>
-              <a:buSzTx/>
-              <a:buFontTx/>
-              <a:buNone/>
-              <a:tabLst/>
-              <a:defRPr/>
-            </a:pPr>
-            <a:r>
-              <a:rPr kumimoji="0" lang="zh-CN" altLang="en-US" sz="1200" b="0" i="0" u="none" strike="noStrike" kern="0" cap="none" spc="0" normalizeH="0" baseline="0" noProof="0" dirty="0">
-                <a:ln>
-                  <a:noFill/>
-                </a:ln>
-                <a:solidFill>
-                  <a:srgbClr val="FFFFFF"/>
-                </a:solidFill>
-                <a:effectLst/>
-                <a:uLnTx/>
-                <a:uFillTx/>
-                <a:ea typeface="微软雅黑" charset="0"/>
-              </a:rPr>
-              <a:t>点击此处添加文本内容，如关键词、部分简单介绍等。</a:t>
-            </a:r>
           </a:p>
         </p:txBody>
       </p:sp>
@@ -18502,7 +18274,7 @@
         </p:nvSpPr>
         <p:spPr>
           <a:xfrm>
-            <a:off x="6327459" y="4661610"/>
+            <a:off x="6327459" y="4851438"/>
             <a:ext cx="3039615" cy="379656"/>
           </a:xfrm>
           <a:prstGeom prst="rect">
@@ -18563,63 +18335,6 @@
               <a:uFillTx/>
               <a:ea typeface="微软雅黑" charset="0"/>
             </a:endParaRPr>
-          </a:p>
-        </p:txBody>
-      </p:sp>
-      <p:sp>
-        <p:nvSpPr>
-          <p:cNvPr id="16" name="文本框 15"/>
-          <p:cNvSpPr txBox="1"/>
-          <p:nvPr/>
-        </p:nvSpPr>
-        <p:spPr>
-          <a:xfrm>
-            <a:off x="6327459" y="5051906"/>
-            <a:ext cx="3872455" cy="332399"/>
-          </a:xfrm>
-          <a:prstGeom prst="rect">
-            <a:avLst/>
-          </a:prstGeom>
-          <a:noFill/>
-        </p:spPr>
-        <p:txBody>
-          <a:bodyPr wrap="square" rtlCol="0">
-            <a:spAutoFit/>
-          </a:bodyPr>
-          <a:lstStyle/>
-          <a:p>
-            <a:pPr marL="0" marR="0" lvl="0" indent="0" defTabSz="609585" eaLnBrk="1" fontAlgn="auto" latinLnBrk="0" hangingPunct="1">
-              <a:lnSpc>
-                <a:spcPct val="130000"/>
-              </a:lnSpc>
-              <a:spcBef>
-                <a:spcPts val="0"/>
-              </a:spcBef>
-              <a:spcAft>
-                <a:spcPts val="0"/>
-              </a:spcAft>
-              <a:buClrTx/>
-              <a:buSzTx/>
-              <a:buFontTx/>
-              <a:buNone/>
-              <a:tabLst/>
-              <a:defRPr/>
-            </a:pPr>
-            <a:r>
-              <a:rPr kumimoji="0" lang="zh-CN" altLang="en-US" sz="1200" b="0" i="0" u="none" strike="noStrike" kern="0" cap="none" spc="0" normalizeH="0" baseline="0" noProof="0" dirty="0">
-                <a:ln>
-                  <a:noFill/>
-                </a:ln>
-                <a:solidFill>
-                  <a:srgbClr val="FFFFFF"/>
-                </a:solidFill>
-                <a:effectLst/>
-                <a:uLnTx/>
-                <a:uFillTx/>
-                <a:ea typeface="微软雅黑" charset="0"/>
-              </a:rPr>
-              <a:t>点击此处添加文本内容，如关键词、部分简单介绍等。</a:t>
-            </a:r>
           </a:p>
         </p:txBody>
       </p:sp>
@@ -22136,7 +21851,7 @@
                 <a:latin typeface="微软雅黑" charset="0"/>
                 <a:ea typeface="微软雅黑" charset="0"/>
               </a:rPr>
-              <a:t>目前还没有结合论文阅读、论文挑选、论文学习等功能地平台。</a:t>
+              <a:t>目前还没有结合论文阅读、论文挑选、论文学习等功能的平台。</a:t>
             </a:r>
           </a:p>
         </p:txBody>
@@ -34981,7 +34696,7 @@
         </p:nvGrpSpPr>
         <p:grpSpPr>
           <a:xfrm>
-            <a:off x="1713834" y="1074730"/>
+            <a:off x="2756822" y="1074730"/>
             <a:ext cx="2598057" cy="4832584"/>
             <a:chOff x="766537" y="1437588"/>
             <a:chExt cx="2598057" cy="4832584"/>
@@ -35101,7 +34816,7 @@
           <p:spPr>
             <a:xfrm>
               <a:off x="1028064" y="2139388"/>
-              <a:ext cx="2080490" cy="1269258"/>
+              <a:ext cx="2080490" cy="1981696"/>
             </a:xfrm>
             <a:prstGeom prst="rect">
               <a:avLst/>
@@ -35214,7 +34929,7 @@
                 </a:lnSpc>
               </a:pPr>
               <a:r>
-                <a:rPr lang="zh-CN" altLang="en-US" sz="1200" dirty="0">
+                <a:rPr lang="zh-CN" altLang="en-US" sz="1600" dirty="0">
                   <a:solidFill>
                     <a:schemeClr val="bg1"/>
                   </a:solidFill>
@@ -35273,311 +34988,13 @@
       </p:grpSp>
       <p:grpSp>
         <p:nvGrpSpPr>
-          <p:cNvPr id="9" name="组 8"/>
-          <p:cNvGrpSpPr/>
-          <p:nvPr/>
-        </p:nvGrpSpPr>
-        <p:grpSpPr>
-          <a:xfrm>
-            <a:off x="4841663" y="1074730"/>
-            <a:ext cx="2598057" cy="4832584"/>
-            <a:chOff x="766537" y="1437588"/>
-            <a:chExt cx="2598057" cy="4832584"/>
-          </a:xfrm>
-        </p:grpSpPr>
-        <p:sp>
-          <p:nvSpPr>
-            <p:cNvPr id="10" name="矩形 9"/>
-            <p:cNvSpPr/>
-            <p:nvPr/>
-          </p:nvSpPr>
-          <p:spPr>
-            <a:xfrm>
-              <a:off x="766537" y="1437588"/>
-              <a:ext cx="2598057" cy="4832584"/>
-            </a:xfrm>
-            <a:prstGeom prst="rect">
-              <a:avLst/>
-            </a:prstGeom>
-            <a:solidFill>
-              <a:schemeClr val="accent1"/>
-            </a:solidFill>
-            <a:ln w="19050">
-              <a:noFill/>
-            </a:ln>
-          </p:spPr>
-          <p:style>
-            <a:lnRef idx="2">
-              <a:schemeClr val="accent1">
-                <a:shade val="50000"/>
-              </a:schemeClr>
-            </a:lnRef>
-            <a:fillRef idx="1">
-              <a:schemeClr val="accent1"/>
-            </a:fillRef>
-            <a:effectRef idx="0">
-              <a:schemeClr val="accent1"/>
-            </a:effectRef>
-            <a:fontRef idx="minor">
-              <a:schemeClr val="lt1"/>
-            </a:fontRef>
-          </p:style>
-          <p:txBody>
-            <a:bodyPr rtlCol="0" anchor="ctr"/>
-            <a:lstStyle/>
-            <a:p>
-              <a:pPr algn="ctr"/>
-              <a:endParaRPr kumimoji="1" lang="zh-CN" altLang="en-US"/>
-            </a:p>
-          </p:txBody>
-        </p:sp>
-        <p:pic>
-          <p:nvPicPr>
-            <p:cNvPr id="11" name="图片 10"/>
-            <p:cNvPicPr>
-              <a:picLocks noChangeAspect="1"/>
-            </p:cNvPicPr>
-            <p:nvPr/>
-          </p:nvPicPr>
-          <p:blipFill rotWithShape="1">
-            <a:blip r:embed="rId2">
-              <a:extLst>
-                <a:ext uri="{28A0092B-C50C-407E-A947-70E740481C1C}">
-                  <a14:useLocalDpi xmlns:a14="http://schemas.microsoft.com/office/drawing/2010/main" val="0"/>
-                </a:ext>
-              </a:extLst>
-            </a:blip>
-            <a:srcRect l="26400" t="11491" r="26507" b="29383"/>
-            <a:stretch/>
-          </p:blipFill>
-          <p:spPr>
-            <a:xfrm>
-              <a:off x="766537" y="3672115"/>
-              <a:ext cx="2598057" cy="2598057"/>
-            </a:xfrm>
-            <a:prstGeom prst="rtTriangle">
-              <a:avLst/>
-            </a:prstGeom>
-            <a:solidFill>
-              <a:srgbClr val="FFFFFF">
-                <a:shade val="85000"/>
-              </a:srgbClr>
-            </a:solidFill>
-            <a:ln w="88900" cap="sq">
-              <a:solidFill>
-                <a:srgbClr val="FFFFFF"/>
-              </a:solidFill>
-              <a:miter lim="800000"/>
-            </a:ln>
-            <a:effectLst>
-              <a:outerShdw blurRad="55000" dist="18000" dir="5400000" algn="tl" rotWithShape="0">
-                <a:srgbClr val="000000">
-                  <a:alpha val="40000"/>
-                </a:srgbClr>
-              </a:outerShdw>
-            </a:effectLst>
-            <a:scene3d>
-              <a:camera prst="orthographicFront"/>
-              <a:lightRig rig="twoPt" dir="t">
-                <a:rot lat="0" lon="0" rev="7200000"/>
-              </a:lightRig>
-            </a:scene3d>
-            <a:sp3d>
-              <a:bevelT w="25400" h="19050"/>
-              <a:contourClr>
-                <a:srgbClr val="FFFFFF"/>
-              </a:contourClr>
-            </a:sp3d>
-          </p:spPr>
-        </p:pic>
-        <p:sp>
-          <p:nvSpPr>
-            <p:cNvPr id="12" name="文本框 8"/>
-            <p:cNvSpPr txBox="1"/>
-            <p:nvPr/>
-          </p:nvSpPr>
-          <p:spPr>
-            <a:xfrm>
-              <a:off x="1028064" y="2139388"/>
-              <a:ext cx="2080490" cy="789127"/>
-            </a:xfrm>
-            <a:prstGeom prst="rect">
-              <a:avLst/>
-            </a:prstGeom>
-            <a:noFill/>
-          </p:spPr>
-          <p:txBody>
-            <a:bodyPr wrap="square" rtlCol="0">
-              <a:spAutoFit/>
-            </a:bodyPr>
-            <a:lstStyle>
-              <a:defPPr>
-                <a:defRPr lang="zh-CN"/>
-              </a:defPPr>
-              <a:lvl1pPr marL="0" algn="l" defTabSz="914400" rtl="0" eaLnBrk="1" latinLnBrk="0" hangingPunct="1">
-                <a:defRPr sz="1800" kern="1200">
-                  <a:solidFill>
-                    <a:schemeClr val="tx1"/>
-                  </a:solidFill>
-                  <a:latin typeface="+mn-lt"/>
-                  <a:ea typeface="+mn-ea"/>
-                  <a:cs typeface="+mn-cs"/>
-                </a:defRPr>
-              </a:lvl1pPr>
-              <a:lvl2pPr marL="457200" algn="l" defTabSz="914400" rtl="0" eaLnBrk="1" latinLnBrk="0" hangingPunct="1">
-                <a:defRPr sz="1800" kern="1200">
-                  <a:solidFill>
-                    <a:schemeClr val="tx1"/>
-                  </a:solidFill>
-                  <a:latin typeface="+mn-lt"/>
-                  <a:ea typeface="+mn-ea"/>
-                  <a:cs typeface="+mn-cs"/>
-                </a:defRPr>
-              </a:lvl2pPr>
-              <a:lvl3pPr marL="914400" algn="l" defTabSz="914400" rtl="0" eaLnBrk="1" latinLnBrk="0" hangingPunct="1">
-                <a:defRPr sz="1800" kern="1200">
-                  <a:solidFill>
-                    <a:schemeClr val="tx1"/>
-                  </a:solidFill>
-                  <a:latin typeface="+mn-lt"/>
-                  <a:ea typeface="+mn-ea"/>
-                  <a:cs typeface="+mn-cs"/>
-                </a:defRPr>
-              </a:lvl3pPr>
-              <a:lvl4pPr marL="1371600" algn="l" defTabSz="914400" rtl="0" eaLnBrk="1" latinLnBrk="0" hangingPunct="1">
-                <a:defRPr sz="1800" kern="1200">
-                  <a:solidFill>
-                    <a:schemeClr val="tx1"/>
-                  </a:solidFill>
-                  <a:latin typeface="+mn-lt"/>
-                  <a:ea typeface="+mn-ea"/>
-                  <a:cs typeface="+mn-cs"/>
-                </a:defRPr>
-              </a:lvl4pPr>
-              <a:lvl5pPr marL="1828800" algn="l" defTabSz="914400" rtl="0" eaLnBrk="1" latinLnBrk="0" hangingPunct="1">
-                <a:defRPr sz="1800" kern="1200">
-                  <a:solidFill>
-                    <a:schemeClr val="tx1"/>
-                  </a:solidFill>
-                  <a:latin typeface="+mn-lt"/>
-                  <a:ea typeface="+mn-ea"/>
-                  <a:cs typeface="+mn-cs"/>
-                </a:defRPr>
-              </a:lvl5pPr>
-              <a:lvl6pPr marL="2286000" algn="l" defTabSz="914400" rtl="0" eaLnBrk="1" latinLnBrk="0" hangingPunct="1">
-                <a:defRPr sz="1800" kern="1200">
-                  <a:solidFill>
-                    <a:schemeClr val="tx1"/>
-                  </a:solidFill>
-                  <a:latin typeface="+mn-lt"/>
-                  <a:ea typeface="+mn-ea"/>
-                  <a:cs typeface="+mn-cs"/>
-                </a:defRPr>
-              </a:lvl6pPr>
-              <a:lvl7pPr marL="2743200" algn="l" defTabSz="914400" rtl="0" eaLnBrk="1" latinLnBrk="0" hangingPunct="1">
-                <a:defRPr sz="1800" kern="1200">
-                  <a:solidFill>
-                    <a:schemeClr val="tx1"/>
-                  </a:solidFill>
-                  <a:latin typeface="+mn-lt"/>
-                  <a:ea typeface="+mn-ea"/>
-                  <a:cs typeface="+mn-cs"/>
-                </a:defRPr>
-              </a:lvl7pPr>
-              <a:lvl8pPr marL="3200400" algn="l" defTabSz="914400" rtl="0" eaLnBrk="1" latinLnBrk="0" hangingPunct="1">
-                <a:defRPr sz="1800" kern="1200">
-                  <a:solidFill>
-                    <a:schemeClr val="tx1"/>
-                  </a:solidFill>
-                  <a:latin typeface="+mn-lt"/>
-                  <a:ea typeface="+mn-ea"/>
-                  <a:cs typeface="+mn-cs"/>
-                </a:defRPr>
-              </a:lvl8pPr>
-              <a:lvl9pPr marL="3657600" algn="l" defTabSz="914400" rtl="0" eaLnBrk="1" latinLnBrk="0" hangingPunct="1">
-                <a:defRPr sz="1800" kern="1200">
-                  <a:solidFill>
-                    <a:schemeClr val="tx1"/>
-                  </a:solidFill>
-                  <a:latin typeface="+mn-lt"/>
-                  <a:ea typeface="+mn-ea"/>
-                  <a:cs typeface="+mn-cs"/>
-                </a:defRPr>
-              </a:lvl9pPr>
-            </a:lstStyle>
-            <a:p>
-              <a:pPr>
-                <a:lnSpc>
-                  <a:spcPct val="130000"/>
-                </a:lnSpc>
-              </a:pPr>
-              <a:r>
-                <a:rPr lang="zh-CN" altLang="en-US" sz="1200" dirty="0">
-                  <a:solidFill>
-                    <a:schemeClr val="bg1"/>
-                  </a:solidFill>
-                  <a:latin typeface="微软雅黑" charset="0"/>
-                  <a:ea typeface="微软雅黑" charset="0"/>
-                </a:rPr>
-                <a:t>精准定位细分垂直领域，解决学习、讨论需要，贴近用户使用需求。</a:t>
-              </a:r>
-            </a:p>
-          </p:txBody>
-        </p:sp>
-        <p:sp>
-          <p:nvSpPr>
-            <p:cNvPr id="13" name="矩形 12"/>
-            <p:cNvSpPr/>
-            <p:nvPr/>
-          </p:nvSpPr>
-          <p:spPr>
-            <a:xfrm>
-              <a:off x="1028063" y="1589200"/>
-              <a:ext cx="2080491" cy="416461"/>
-            </a:xfrm>
-            <a:prstGeom prst="rect">
-              <a:avLst/>
-            </a:prstGeom>
-          </p:spPr>
-          <p:txBody>
-            <a:bodyPr wrap="square">
-              <a:spAutoFit/>
-            </a:bodyPr>
-            <a:lstStyle/>
-            <a:p>
-              <a:pPr algn="ctr" defTabSz="609585">
-                <a:lnSpc>
-                  <a:spcPct val="130000"/>
-                </a:lnSpc>
-              </a:pPr>
-              <a:r>
-                <a:rPr lang="zh-CN" altLang="en-US" b="1" dirty="0">
-                  <a:solidFill>
-                    <a:schemeClr val="bg1"/>
-                  </a:solidFill>
-                  <a:ea typeface="微软雅黑" charset="0"/>
-                </a:rPr>
-                <a:t>切入垂直领域</a:t>
-              </a:r>
-              <a:endParaRPr lang="en-US" altLang="zh-CN" b="1" dirty="0">
-                <a:solidFill>
-                  <a:schemeClr val="bg1"/>
-                </a:solidFill>
-                <a:ea typeface="微软雅黑" charset="0"/>
-              </a:endParaRPr>
-            </a:p>
-          </p:txBody>
-        </p:sp>
-      </p:grpSp>
-      <p:grpSp>
-        <p:nvGrpSpPr>
           <p:cNvPr id="14" name="组 13"/>
           <p:cNvGrpSpPr/>
           <p:nvPr/>
         </p:nvGrpSpPr>
         <p:grpSpPr>
           <a:xfrm>
-            <a:off x="7969492" y="1074730"/>
+            <a:off x="6837121" y="1074730"/>
             <a:ext cx="2598057" cy="4832584"/>
             <a:chOff x="766537" y="1437588"/>
             <a:chExt cx="2598057" cy="4832584"/>
@@ -35697,7 +35114,7 @@
           <p:spPr>
             <a:xfrm>
               <a:off x="1028064" y="2139388"/>
-              <a:ext cx="2080490" cy="1029193"/>
+              <a:ext cx="2080490" cy="1661609"/>
             </a:xfrm>
             <a:prstGeom prst="rect">
               <a:avLst/>
@@ -35810,7 +35227,7 @@
                 </a:lnSpc>
               </a:pPr>
               <a:r>
-                <a:rPr lang="zh-CN" altLang="en-US" sz="1200" dirty="0">
+                <a:rPr lang="zh-CN" altLang="en-US" sz="1600" dirty="0">
                   <a:solidFill>
                     <a:schemeClr val="bg1"/>
                   </a:solidFill>

--- a/Final/doc&model/PPT.pptx
+++ b/Final/doc&model/PPT.pptx
@@ -12101,7 +12101,7 @@
         <p:spPr>
           <a:xfrm>
             <a:off x="1068208" y="4134057"/>
-            <a:ext cx="2068286" cy="789127"/>
+            <a:ext cx="2068286" cy="1021433"/>
           </a:xfrm>
           <a:prstGeom prst="rect">
             <a:avLst/>
@@ -12214,7 +12214,7 @@
               </a:lnSpc>
             </a:pPr>
             <a:r>
-              <a:rPr lang="zh-CN" altLang="en-US" sz="1200" dirty="0">
+              <a:rPr lang="zh-CN" altLang="en-US" sz="1600" dirty="0">
                 <a:solidFill>
                   <a:schemeClr val="tx1">
                     <a:lumMod val="95000"/>
@@ -12288,7 +12288,7 @@
         <p:spPr>
           <a:xfrm>
             <a:off x="3747582" y="931861"/>
-            <a:ext cx="2068286" cy="1029193"/>
+            <a:ext cx="2068286" cy="1661609"/>
           </a:xfrm>
           <a:prstGeom prst="rect">
             <a:avLst/>
@@ -12401,7 +12401,7 @@
               </a:lnSpc>
             </a:pPr>
             <a:r>
-              <a:rPr lang="zh-CN" altLang="en-US" sz="1200" dirty="0">
+              <a:rPr lang="zh-CN" altLang="en-US" sz="1600" dirty="0">
                 <a:solidFill>
                   <a:schemeClr val="tx1">
                     <a:lumMod val="95000"/>
@@ -12877,7 +12877,7 @@
         <p:spPr>
           <a:xfrm>
             <a:off x="6415372" y="4134057"/>
-            <a:ext cx="2068286" cy="789127"/>
+            <a:ext cx="2068286" cy="1021433"/>
           </a:xfrm>
           <a:prstGeom prst="rect">
             <a:avLst/>
@@ -12990,7 +12990,7 @@
               </a:lnSpc>
             </a:pPr>
             <a:r>
-              <a:rPr lang="zh-CN" altLang="en-US" sz="1200" dirty="0">
+              <a:rPr lang="zh-CN" altLang="en-US" sz="1600" dirty="0">
                 <a:solidFill>
                   <a:schemeClr val="tx1">
                     <a:lumMod val="95000"/>
@@ -13064,7 +13064,7 @@
         <p:spPr>
           <a:xfrm>
             <a:off x="9094746" y="931861"/>
-            <a:ext cx="2068286" cy="549061"/>
+            <a:ext cx="2068286" cy="1021433"/>
           </a:xfrm>
           <a:prstGeom prst="rect">
             <a:avLst/>
@@ -13177,38 +13177,12 @@
               </a:lnSpc>
             </a:pPr>
             <a:r>
-              <a:rPr lang="zh-CN" altLang="en-US" sz="1200" dirty="0">
-                <a:solidFill>
-                  <a:schemeClr val="tx1">
-                    <a:lumMod val="95000"/>
-                    <a:lumOff val="5000"/>
-                  </a:schemeClr>
-                </a:solidFill>
+              <a:rPr lang="zh-CN" altLang="en-US" sz="1600" dirty="0">
                 <a:latin typeface="微软雅黑" charset="0"/>
                 <a:ea typeface="微软雅黑" charset="0"/>
               </a:rPr>
-              <a:t>用户可以下载论文，也可以导出包含批注和笔记的论文</a:t>
+              <a:t>用户可以下载论文，也可以导出包含批注和笔记的论文。</a:t>
             </a:r>
-            <a:r>
-              <a:rPr lang="zh-CN" altLang="en-US" sz="1200" dirty="0">
-                <a:solidFill>
-                  <a:schemeClr val="bg1"/>
-                </a:solidFill>
-                <a:latin typeface="微软雅黑" charset="0"/>
-                <a:ea typeface="微软雅黑" charset="0"/>
-              </a:rPr>
-              <a:t>。</a:t>
-            </a:r>
-            <a:endParaRPr lang="zh-CN" altLang="en-US" sz="1200" dirty="0">
-              <a:solidFill>
-                <a:schemeClr val="tx1">
-                  <a:lumMod val="95000"/>
-                  <a:lumOff val="5000"/>
-                </a:schemeClr>
-              </a:solidFill>
-              <a:latin typeface="微软雅黑" charset="0"/>
-              <a:ea typeface="微软雅黑" charset="0"/>
-            </a:endParaRPr>
           </a:p>
         </p:txBody>
       </p:sp>
@@ -15677,7 +15651,7 @@
         <p:spPr>
           <a:xfrm>
             <a:off x="2975658" y="2113459"/>
-            <a:ext cx="2381500" cy="789127"/>
+            <a:ext cx="2381500" cy="905248"/>
           </a:xfrm>
           <a:prstGeom prst="rect">
             <a:avLst/>
@@ -15790,7 +15764,7 @@
               </a:lnSpc>
             </a:pPr>
             <a:r>
-              <a:rPr lang="zh-CN" altLang="en-US" sz="1200" dirty="0">
+              <a:rPr lang="zh-CN" altLang="en-US" sz="1400" dirty="0">
                 <a:solidFill>
                   <a:schemeClr val="tx1">
                     <a:lumMod val="75000"/>
@@ -15803,7 +15777,7 @@
               <a:t>在</a:t>
             </a:r>
             <a:r>
-              <a:rPr lang="en-US" altLang="zh-CN" sz="1200" dirty="0" err="1">
+              <a:rPr lang="en-US" altLang="zh-CN" sz="1400" dirty="0" err="1">
                 <a:solidFill>
                   <a:schemeClr val="tx1">
                     <a:lumMod val="75000"/>
@@ -15816,7 +15790,7 @@
               <a:t>PaperClip</a:t>
             </a:r>
             <a:r>
-              <a:rPr lang="zh-CN" altLang="en-US" sz="1200" dirty="0">
+              <a:rPr lang="zh-CN" altLang="en-US" sz="1400" dirty="0">
                 <a:solidFill>
                   <a:schemeClr val="tx1">
                     <a:lumMod val="75000"/>
@@ -16084,7 +16058,7 @@
         <p:spPr>
           <a:xfrm flipH="1">
             <a:off x="6450374" y="2113459"/>
-            <a:ext cx="2381500" cy="789127"/>
+            <a:ext cx="2381500" cy="905248"/>
           </a:xfrm>
           <a:prstGeom prst="rect">
             <a:avLst/>
@@ -16197,7 +16171,7 @@
               </a:lnSpc>
             </a:pPr>
             <a:r>
-              <a:rPr lang="zh-CN" altLang="en-US" sz="1200" dirty="0">
+              <a:rPr lang="zh-CN" altLang="en-US" sz="1400" dirty="0">
                 <a:solidFill>
                   <a:schemeClr val="tx1">
                     <a:lumMod val="75000"/>
@@ -16210,7 +16184,7 @@
               <a:t>在他人主页里，你可以方面地查看</a:t>
             </a:r>
             <a:r>
-              <a:rPr lang="en-US" altLang="zh-CN" sz="1200" dirty="0">
+              <a:rPr lang="en-US" altLang="zh-CN" sz="1400" dirty="0">
                 <a:solidFill>
                   <a:schemeClr val="tx1">
                     <a:lumMod val="75000"/>
@@ -16223,7 +16197,7 @@
               <a:t>ta</a:t>
             </a:r>
             <a:r>
-              <a:rPr lang="zh-CN" altLang="en-US" sz="1200" dirty="0">
+              <a:rPr lang="zh-CN" altLang="en-US" sz="1400" dirty="0">
                 <a:solidFill>
                   <a:schemeClr val="tx1">
                     <a:lumMod val="75000"/>
@@ -16491,7 +16465,7 @@
         <p:spPr>
           <a:xfrm>
             <a:off x="2975658" y="3911050"/>
-            <a:ext cx="2381500" cy="549061"/>
+            <a:ext cx="2381500" cy="905248"/>
           </a:xfrm>
           <a:prstGeom prst="rect">
             <a:avLst/>
@@ -16604,7 +16578,7 @@
               </a:lnSpc>
             </a:pPr>
             <a:r>
-              <a:rPr lang="zh-CN" altLang="en-US" sz="1200" dirty="0">
+              <a:rPr lang="zh-CN" altLang="en-US" sz="1400" dirty="0">
                 <a:solidFill>
                   <a:schemeClr val="tx1">
                     <a:lumMod val="75000"/>
@@ -16872,7 +16846,7 @@
         <p:spPr>
           <a:xfrm flipH="1">
             <a:off x="6450374" y="3911050"/>
-            <a:ext cx="2381500" cy="549061"/>
+            <a:ext cx="2381500" cy="905248"/>
           </a:xfrm>
           <a:prstGeom prst="rect">
             <a:avLst/>
@@ -16985,7 +16959,7 @@
               </a:lnSpc>
             </a:pPr>
             <a:r>
-              <a:rPr lang="zh-CN" altLang="en-US" sz="1200" dirty="0">
+              <a:rPr lang="zh-CN" altLang="en-US" sz="1400" dirty="0">
                 <a:solidFill>
                   <a:schemeClr val="tx1">
                     <a:lumMod val="75000"/>
